--- a/Overview.pptx
+++ b/Overview.pptx
@@ -111,6 +111,11 @@
       </a:defRPr>
     </a:lvl9pPr>
   </p:defaultTextStyle>
+  <p:extLst>
+    <p:ext uri="{EFAFB233-063F-42B5-8137-9DF3F51BA10A}">
+      <p15:sldGuideLst xmlns:p15="http://schemas.microsoft.com/office/powerpoint/2012/main"/>
+    </p:ext>
+  </p:extLst>
 </p:presentation>
 </file>
 
@@ -9411,7 +9416,7 @@
           <p:nvPr>
             <p:extLst>
               <p:ext uri="{D42A27DB-BD31-4B8C-83A1-F6EECF244321}">
-                <p14:modId xmlns:p14="http://schemas.microsoft.com/office/powerpoint/2010/main" val="3491928886"/>
+                <p14:modId xmlns:p14="http://schemas.microsoft.com/office/powerpoint/2010/main" val="4293024215"/>
               </p:ext>
             </p:extLst>
           </p:nvPr>
@@ -9486,7 +9491,7 @@
                       <a:pPr algn="ctr"/>
                       <a:r>
                         <a:rPr lang="en-US" dirty="0"/>
-                        <a:t>Random Forests</a:t>
+                        <a:t>Random Forests *</a:t>
                       </a:r>
                     </a:p>
                   </a:txBody>
@@ -9509,7 +9514,10 @@
                         <a:rPr lang="en-US" dirty="0" err="1"/>
                         <a:t>XgBoost</a:t>
                       </a:r>
-                      <a:endParaRPr lang="en-US" dirty="0"/>
+                      <a:r>
+                        <a:rPr lang="en-US" dirty="0"/>
+                        <a:t> *</a:t>
+                      </a:r>
                     </a:p>
                   </a:txBody>
                   <a:tcPr/>
@@ -9545,6 +9553,41 @@
           </a:graphicData>
         </a:graphic>
       </p:graphicFrame>
+      <p:sp>
+        <p:nvSpPr>
+          <p:cNvPr id="3" name="TextBox 2">
+            <a:extLst>
+              <a:ext uri="{FF2B5EF4-FFF2-40B4-BE49-F238E27FC236}">
+                <a16:creationId xmlns:a16="http://schemas.microsoft.com/office/drawing/2014/main" id="{A60E1256-E61D-42DE-8146-31E2710F23DD}"/>
+              </a:ext>
+            </a:extLst>
+          </p:cNvPr>
+          <p:cNvSpPr txBox="1"/>
+          <p:nvPr/>
+        </p:nvSpPr>
+        <p:spPr>
+          <a:xfrm>
+            <a:off x="8507002" y="5753528"/>
+            <a:ext cx="3339101" cy="646331"/>
+          </a:xfrm>
+          <a:prstGeom prst="rect">
+            <a:avLst/>
+          </a:prstGeom>
+          <a:noFill/>
+        </p:spPr>
+        <p:txBody>
+          <a:bodyPr wrap="square" rtlCol="0">
+            <a:spAutoFit/>
+          </a:bodyPr>
+          <a:lstStyle/>
+          <a:p>
+            <a:r>
+              <a:rPr lang="en-US" dirty="0"/>
+              <a:t>* Tried but haven’t saved due to worst performances.</a:t>
+            </a:r>
+          </a:p>
+        </p:txBody>
+      </p:sp>
     </p:spTree>
     <p:extLst>
       <p:ext uri="{BB962C8B-B14F-4D97-AF65-F5344CB8AC3E}">
